--- a/E91/references/Flow Chart.pptx
+++ b/E91/references/Flow Chart.pptx
@@ -197,7 +197,7 @@
           <a:p>
             <a:fld id="{13F79B93-1F47-4D76-BCE2-F745BC2A3315}" type="datetimeFigureOut">
               <a:rPr lang="en-IN" smtClean="0"/>
-              <a:t>19-07-2022</a:t>
+              <a:t>20-07-2022</a:t>
             </a:fld>
             <a:endParaRPr lang="en-IN"/>
           </a:p>
@@ -680,7 +680,7 @@
           <a:p>
             <a:fld id="{CCC4CF80-C556-477B-B3CA-D93B1F90A933}" type="datetimeFigureOut">
               <a:rPr lang="en-IN" smtClean="0"/>
-              <a:t>19-07-2022</a:t>
+              <a:t>20-07-2022</a:t>
             </a:fld>
             <a:endParaRPr lang="en-IN"/>
           </a:p>
@@ -850,7 +850,7 @@
           <a:p>
             <a:fld id="{CCC4CF80-C556-477B-B3CA-D93B1F90A933}" type="datetimeFigureOut">
               <a:rPr lang="en-IN" smtClean="0"/>
-              <a:t>19-07-2022</a:t>
+              <a:t>20-07-2022</a:t>
             </a:fld>
             <a:endParaRPr lang="en-IN"/>
           </a:p>
@@ -1030,7 +1030,7 @@
           <a:p>
             <a:fld id="{CCC4CF80-C556-477B-B3CA-D93B1F90A933}" type="datetimeFigureOut">
               <a:rPr lang="en-IN" smtClean="0"/>
-              <a:t>19-07-2022</a:t>
+              <a:t>20-07-2022</a:t>
             </a:fld>
             <a:endParaRPr lang="en-IN"/>
           </a:p>
@@ -1200,7 +1200,7 @@
           <a:p>
             <a:fld id="{CCC4CF80-C556-477B-B3CA-D93B1F90A933}" type="datetimeFigureOut">
               <a:rPr lang="en-IN" smtClean="0"/>
-              <a:t>19-07-2022</a:t>
+              <a:t>20-07-2022</a:t>
             </a:fld>
             <a:endParaRPr lang="en-IN"/>
           </a:p>
@@ -1444,7 +1444,7 @@
           <a:p>
             <a:fld id="{CCC4CF80-C556-477B-B3CA-D93B1F90A933}" type="datetimeFigureOut">
               <a:rPr lang="en-IN" smtClean="0"/>
-              <a:t>19-07-2022</a:t>
+              <a:t>20-07-2022</a:t>
             </a:fld>
             <a:endParaRPr lang="en-IN"/>
           </a:p>
@@ -1676,7 +1676,7 @@
           <a:p>
             <a:fld id="{CCC4CF80-C556-477B-B3CA-D93B1F90A933}" type="datetimeFigureOut">
               <a:rPr lang="en-IN" smtClean="0"/>
-              <a:t>19-07-2022</a:t>
+              <a:t>20-07-2022</a:t>
             </a:fld>
             <a:endParaRPr lang="en-IN"/>
           </a:p>
@@ -2043,7 +2043,7 @@
           <a:p>
             <a:fld id="{CCC4CF80-C556-477B-B3CA-D93B1F90A933}" type="datetimeFigureOut">
               <a:rPr lang="en-IN" smtClean="0"/>
-              <a:t>19-07-2022</a:t>
+              <a:t>20-07-2022</a:t>
             </a:fld>
             <a:endParaRPr lang="en-IN"/>
           </a:p>
@@ -2161,7 +2161,7 @@
           <a:p>
             <a:fld id="{CCC4CF80-C556-477B-B3CA-D93B1F90A933}" type="datetimeFigureOut">
               <a:rPr lang="en-IN" smtClean="0"/>
-              <a:t>19-07-2022</a:t>
+              <a:t>20-07-2022</a:t>
             </a:fld>
             <a:endParaRPr lang="en-IN"/>
           </a:p>
@@ -2256,7 +2256,7 @@
           <a:p>
             <a:fld id="{CCC4CF80-C556-477B-B3CA-D93B1F90A933}" type="datetimeFigureOut">
               <a:rPr lang="en-IN" smtClean="0"/>
-              <a:t>19-07-2022</a:t>
+              <a:t>20-07-2022</a:t>
             </a:fld>
             <a:endParaRPr lang="en-IN"/>
           </a:p>
@@ -2533,7 +2533,7 @@
           <a:p>
             <a:fld id="{CCC4CF80-C556-477B-B3CA-D93B1F90A933}" type="datetimeFigureOut">
               <a:rPr lang="en-IN" smtClean="0"/>
-              <a:t>19-07-2022</a:t>
+              <a:t>20-07-2022</a:t>
             </a:fld>
             <a:endParaRPr lang="en-IN"/>
           </a:p>
@@ -2790,7 +2790,7 @@
           <a:p>
             <a:fld id="{CCC4CF80-C556-477B-B3CA-D93B1F90A933}" type="datetimeFigureOut">
               <a:rPr lang="en-IN" smtClean="0"/>
-              <a:t>19-07-2022</a:t>
+              <a:t>20-07-2022</a:t>
             </a:fld>
             <a:endParaRPr lang="en-IN"/>
           </a:p>
@@ -3003,7 +3003,7 @@
           <a:p>
             <a:fld id="{CCC4CF80-C556-477B-B3CA-D93B1F90A933}" type="datetimeFigureOut">
               <a:rPr lang="en-IN" smtClean="0"/>
-              <a:t>19-07-2022</a:t>
+              <a:t>20-07-2022</a:t>
             </a:fld>
             <a:endParaRPr lang="en-IN"/>
           </a:p>
@@ -4318,8 +4318,8 @@
         </p:nvSpPr>
         <p:spPr>
           <a:xfrm>
-            <a:off x="8980495" y="4976523"/>
-            <a:ext cx="1225800" cy="246221"/>
+            <a:off x="8723166" y="5001188"/>
+            <a:ext cx="2035366" cy="246221"/>
           </a:xfrm>
           <a:prstGeom prst="rect">
             <a:avLst/>
@@ -4334,8 +4334,13 @@
           <a:p>
             <a:r>
               <a:rPr lang="en-IN" sz="1000" dirty="0"/>
-              <a:t>Returns key_length</a:t>
-            </a:r>
+              <a:t>Returns </a:t>
+            </a:r>
+            <a:r>
+              <a:rPr lang="en-IN" sz="1000" dirty="0" err="1"/>
+              <a:t>number_of_singlets</a:t>
+            </a:r>
+            <a:endParaRPr lang="en-IN" sz="1000" dirty="0"/>
           </a:p>
         </p:txBody>
       </p:sp>
@@ -4683,9 +4688,9 @@
           <p:nvPr/>
         </p:nvSpPr>
         <p:spPr>
-          <a:xfrm rot="20895001">
-            <a:off x="4069634" y="7709126"/>
-            <a:ext cx="1225800" cy="246221"/>
+          <a:xfrm rot="20754687">
+            <a:off x="4003123" y="7654627"/>
+            <a:ext cx="1862402" cy="246221"/>
           </a:xfrm>
           <a:prstGeom prst="rect">
             <a:avLst/>
@@ -4700,8 +4705,13 @@
           <a:p>
             <a:r>
               <a:rPr lang="en-IN" sz="1000" dirty="0"/>
-              <a:t>Returns key_length</a:t>
-            </a:r>
+              <a:t>Returns </a:t>
+            </a:r>
+            <a:r>
+              <a:rPr lang="en-IN" sz="1000" dirty="0" err="1"/>
+              <a:t>number_of_singlets</a:t>
+            </a:r>
+            <a:endParaRPr lang="en-IN" sz="1000" dirty="0"/>
           </a:p>
         </p:txBody>
       </p:sp>
@@ -6041,7 +6051,8 @@
             <a:avLst/>
           </a:prstGeom>
           <a:ln>
-            <a:tailEnd type="triangle"/>
+            <a:headEnd type="triangle" w="med" len="med"/>
+            <a:tailEnd type="triangle" w="med" len="med"/>
           </a:ln>
         </p:spPr>
         <p:style>
@@ -7519,7 +7530,8 @@
             <a:avLst/>
           </a:prstGeom>
           <a:ln>
-            <a:tailEnd type="triangle"/>
+            <a:headEnd type="triangle" w="med" len="med"/>
+            <a:tailEnd type="triangle" w="med" len="med"/>
           </a:ln>
         </p:spPr>
         <p:style>
@@ -7711,9 +7723,9 @@
           <p:nvPr/>
         </p:nvSpPr>
         <p:spPr>
-          <a:xfrm rot="989044">
-            <a:off x="4281394" y="2917505"/>
-            <a:ext cx="1225800" cy="246221"/>
+          <a:xfrm rot="1115042">
+            <a:off x="4062723" y="2958249"/>
+            <a:ext cx="1878591" cy="246221"/>
           </a:xfrm>
           <a:prstGeom prst="rect">
             <a:avLst/>
@@ -7728,8 +7740,13 @@
           <a:p>
             <a:r>
               <a:rPr lang="en-IN" sz="1000" dirty="0"/>
-              <a:t>Returns key_length</a:t>
-            </a:r>
+              <a:t>Returns </a:t>
+            </a:r>
+            <a:r>
+              <a:rPr lang="en-IN" sz="1000" dirty="0" err="1"/>
+              <a:t>number_of_singlets</a:t>
+            </a:r>
+            <a:endParaRPr lang="en-IN" sz="1000" dirty="0"/>
           </a:p>
         </p:txBody>
       </p:sp>
